--- a/Documentation/PostMortemTemplate.pptx
+++ b/Documentation/PostMortemTemplate.pptx
@@ -5354,7 +5354,7 @@
         <p:spPr/>
         <p:txBody>
           <a:bodyPr>
-            <a:normAutofit fontScale="32500" lnSpcReduction="20000"/>
+            <a:normAutofit fontScale="40000" lnSpcReduction="20000"/>
           </a:bodyPr>
           <a:lstStyle/>
           <a:p>
@@ -5374,24 +5374,12 @@
           <a:p>
             <a:pPr lvl="1"/>
             <a:r>
-              <a:rPr lang="en-US" sz="6400" b="1" dirty="0">
-                <a:solidFill>
-                  <a:srgbClr val="92D050"/>
-                </a:solidFill>
-              </a:rPr>
-              <a:t> </a:t>
-            </a:r>
-            <a:r>
-              <a:rPr lang="en-US" sz="12300" b="1" dirty="0">
-                <a:solidFill>
-                  <a:srgbClr val="92D050"/>
-                </a:solidFill>
-              </a:rPr>
-              <a:t>F-R-E-E that spells FREE credit report.com BABY. </a:t>
+              <a:rPr lang="en-US" sz="6400"/>
+              <a:t>Prioritize </a:t>
             </a:r>
             <a:r>
               <a:rPr lang="en-US" sz="6400" dirty="0"/>
-              <a:t>Prioritize making a good game, not getting a good grade. </a:t>
+              <a:t>making a good game, not getting a good grade. </a:t>
             </a:r>
           </a:p>
           <a:p>
